--- a/Misc/Bowered by logos.pptx
+++ b/Misc/Bowered by logos.pptx
@@ -104,6 +104,11 @@
       </a:defRPr>
     </a:lvl9pPr>
   </p:defaultTextStyle>
+  <p:extLst>
+    <p:ext uri="{EFAFB233-063F-42B5-8137-9DF3F51BA10A}">
+      <p15:sldGuideLst xmlns:p15="http://schemas.microsoft.com/office/powerpoint/2012/main"/>
+    </p:ext>
+  </p:extLst>
 </p:presentation>
 </file>
 
@@ -254,7 +259,7 @@
           <a:p>
             <a:fld id="{04231C04-5538-488C-B60A-3DE9F97EC54F}" type="datetimeFigureOut">
               <a:rPr lang="en-US" smtClean="0"/>
-              <a:t>3/15/2025</a:t>
+              <a:t>9/8/2025</a:t>
             </a:fld>
             <a:endParaRPr lang="en-US"/>
           </a:p>
@@ -452,7 +457,7 @@
           <a:p>
             <a:fld id="{04231C04-5538-488C-B60A-3DE9F97EC54F}" type="datetimeFigureOut">
               <a:rPr lang="en-US" smtClean="0"/>
-              <a:t>3/15/2025</a:t>
+              <a:t>9/8/2025</a:t>
             </a:fld>
             <a:endParaRPr lang="en-US"/>
           </a:p>
@@ -660,7 +665,7 @@
           <a:p>
             <a:fld id="{04231C04-5538-488C-B60A-3DE9F97EC54F}" type="datetimeFigureOut">
               <a:rPr lang="en-US" smtClean="0"/>
-              <a:t>3/15/2025</a:t>
+              <a:t>9/8/2025</a:t>
             </a:fld>
             <a:endParaRPr lang="en-US"/>
           </a:p>
@@ -858,7 +863,7 @@
           <a:p>
             <a:fld id="{04231C04-5538-488C-B60A-3DE9F97EC54F}" type="datetimeFigureOut">
               <a:rPr lang="en-US" smtClean="0"/>
-              <a:t>3/15/2025</a:t>
+              <a:t>9/8/2025</a:t>
             </a:fld>
             <a:endParaRPr lang="en-US"/>
           </a:p>
@@ -1133,7 +1138,7 @@
           <a:p>
             <a:fld id="{04231C04-5538-488C-B60A-3DE9F97EC54F}" type="datetimeFigureOut">
               <a:rPr lang="en-US" smtClean="0"/>
-              <a:t>3/15/2025</a:t>
+              <a:t>9/8/2025</a:t>
             </a:fld>
             <a:endParaRPr lang="en-US"/>
           </a:p>
@@ -1398,7 +1403,7 @@
           <a:p>
             <a:fld id="{04231C04-5538-488C-B60A-3DE9F97EC54F}" type="datetimeFigureOut">
               <a:rPr lang="en-US" smtClean="0"/>
-              <a:t>3/15/2025</a:t>
+              <a:t>9/8/2025</a:t>
             </a:fld>
             <a:endParaRPr lang="en-US"/>
           </a:p>
@@ -1810,7 +1815,7 @@
           <a:p>
             <a:fld id="{04231C04-5538-488C-B60A-3DE9F97EC54F}" type="datetimeFigureOut">
               <a:rPr lang="en-US" smtClean="0"/>
-              <a:t>3/15/2025</a:t>
+              <a:t>9/8/2025</a:t>
             </a:fld>
             <a:endParaRPr lang="en-US"/>
           </a:p>
@@ -1951,7 +1956,7 @@
           <a:p>
             <a:fld id="{04231C04-5538-488C-B60A-3DE9F97EC54F}" type="datetimeFigureOut">
               <a:rPr lang="en-US" smtClean="0"/>
-              <a:t>3/15/2025</a:t>
+              <a:t>9/8/2025</a:t>
             </a:fld>
             <a:endParaRPr lang="en-US"/>
           </a:p>
@@ -2064,7 +2069,7 @@
           <a:p>
             <a:fld id="{04231C04-5538-488C-B60A-3DE9F97EC54F}" type="datetimeFigureOut">
               <a:rPr lang="en-US" smtClean="0"/>
-              <a:t>3/15/2025</a:t>
+              <a:t>9/8/2025</a:t>
             </a:fld>
             <a:endParaRPr lang="en-US"/>
           </a:p>
@@ -2375,7 +2380,7 @@
           <a:p>
             <a:fld id="{04231C04-5538-488C-B60A-3DE9F97EC54F}" type="datetimeFigureOut">
               <a:rPr lang="en-US" smtClean="0"/>
-              <a:t>3/15/2025</a:t>
+              <a:t>9/8/2025</a:t>
             </a:fld>
             <a:endParaRPr lang="en-US"/>
           </a:p>
@@ -2663,7 +2668,7 @@
           <a:p>
             <a:fld id="{04231C04-5538-488C-B60A-3DE9F97EC54F}" type="datetimeFigureOut">
               <a:rPr lang="en-US" smtClean="0"/>
-              <a:t>3/15/2025</a:t>
+              <a:t>9/8/2025</a:t>
             </a:fld>
             <a:endParaRPr lang="en-US"/>
           </a:p>
@@ -2904,7 +2909,7 @@
           <a:p>
             <a:fld id="{04231C04-5538-488C-B60A-3DE9F97EC54F}" type="datetimeFigureOut">
               <a:rPr lang="en-US" smtClean="0"/>
-              <a:t>3/15/2025</a:t>
+              <a:t>9/8/2025</a:t>
             </a:fld>
             <a:endParaRPr lang="en-US"/>
           </a:p>
@@ -3348,8 +3353,8 @@
         </p:blipFill>
         <p:spPr bwMode="auto">
           <a:xfrm>
-            <a:off x="8361220" y="2826327"/>
-            <a:ext cx="3387436" cy="1205346"/>
+            <a:off x="6198687" y="2973227"/>
+            <a:ext cx="2813077" cy="1000973"/>
           </a:xfrm>
           <a:prstGeom prst="rect">
             <a:avLst/>
@@ -3395,8 +3400,8 @@
         </p:blipFill>
         <p:spPr bwMode="auto">
           <a:xfrm>
-            <a:off x="4741068" y="3264371"/>
-            <a:ext cx="2564391" cy="477439"/>
+            <a:off x="3586272" y="3298015"/>
+            <a:ext cx="2347567" cy="437071"/>
           </a:xfrm>
           <a:prstGeom prst="rect">
             <a:avLst/>
@@ -3440,8 +3445,55 @@
         </p:blipFill>
         <p:spPr bwMode="auto">
           <a:xfrm>
-            <a:off x="401781" y="2930493"/>
-            <a:ext cx="3207327" cy="997014"/>
+            <a:off x="435401" y="3032875"/>
+            <a:ext cx="2813077" cy="874459"/>
+          </a:xfrm>
+          <a:prstGeom prst="rect">
+            <a:avLst/>
+          </a:prstGeom>
+          <a:noFill/>
+          <a:extLst>
+            <a:ext uri="{909E8E84-426E-40DD-AFC4-6F175D3DCCD1}">
+              <a14:hiddenFill xmlns:a14="http://schemas.microsoft.com/office/drawing/2010/main">
+                <a:solidFill>
+                  <a:srgbClr val="FFFFFF"/>
+                </a:solidFill>
+              </a14:hiddenFill>
+            </a:ext>
+          </a:extLst>
+        </p:spPr>
+      </p:pic>
+      <p:pic>
+        <p:nvPicPr>
+          <p:cNvPr id="2" name="Picture 2">
+            <a:extLst>
+              <a:ext uri="{FF2B5EF4-FFF2-40B4-BE49-F238E27FC236}">
+                <a16:creationId xmlns:a16="http://schemas.microsoft.com/office/drawing/2014/main" id="{0FD695BA-7897-7725-AE97-7DF7E7F7A731}"/>
+              </a:ext>
+            </a:extLst>
+          </p:cNvPr>
+          <p:cNvPicPr>
+            <a:picLocks noChangeAspect="1" noChangeArrowheads="1"/>
+          </p:cNvPicPr>
+          <p:nvPr/>
+        </p:nvPicPr>
+        <p:blipFill>
+          <a:blip r:embed="rId5">
+            <a:extLst>
+              <a:ext uri="{28A0092B-C50C-407E-A947-70E740481C1C}">
+                <a14:useLocalDpi xmlns:a14="http://schemas.microsoft.com/office/drawing/2010/main" val="0"/>
+              </a:ext>
+            </a:extLst>
+          </a:blip>
+          <a:srcRect/>
+          <a:stretch>
+            <a:fillRect/>
+          </a:stretch>
+        </p:blipFill>
+        <p:spPr bwMode="auto">
+          <a:xfrm>
+            <a:off x="9128687" y="3059499"/>
+            <a:ext cx="1850837" cy="683941"/>
           </a:xfrm>
           <a:prstGeom prst="rect">
             <a:avLst/>
